--- a/Andrew Purvis - FG Probability Model Overview .pptx
+++ b/Andrew Purvis - FG Probability Model Overview .pptx
@@ -5466,7 +5466,7 @@
                   <a:srgbClr val="0F496F"/>
                 </a:solidFill>
               </a:rPr>
-              <a:t>Made By: </a:t>
+              <a:t>Created By: </a:t>
             </a:r>
             <a:r>
               <a:rPr lang="en-US" u="sng" dirty="0">
@@ -7131,11 +7131,7 @@
           <a:p>
             <a:pPr algn="ctr"/>
             <a:r>
-              <a:rPr lang="en-US" sz="1600" b="1" dirty="0">
-                <a:solidFill>
-                  <a:schemeClr val="bg1"/>
-                </a:solidFill>
-              </a:rPr>
+              <a:rPr lang="en-US" sz="1600" b="1" dirty="0"/>
               <a:t>The Model’s 0.7928 AUC indicates the ability to distinguish between miss and make. The calibration curves show near-perfect calibration for high and medium probability ranges, but there are miscalibrations for the lower probability ranges (below 50%), which is likely due to the smaller amount of data for these kicks. </a:t>
             </a:r>
           </a:p>
@@ -7310,7 +7306,7 @@
             </a:r>
             <a:r>
               <a:rPr lang="en-US" sz="2000" dirty="0"/>
-              <a:t> Prob.</a:t>
+              <a:t> FG Prob. Model</a:t>
             </a:r>
           </a:p>
           <a:p>
@@ -7587,13 +7583,13 @@
         </p:nvSpPr>
         <p:spPr>
           <a:xfrm>
-            <a:off x="741394" y="1507066"/>
-            <a:ext cx="10709212" cy="3985236"/>
+            <a:off x="741394" y="1436382"/>
+            <a:ext cx="10709212" cy="4538134"/>
           </a:xfrm>
         </p:spPr>
         <p:txBody>
           <a:bodyPr numCol="2" anchor="t">
-            <a:normAutofit fontScale="70000" lnSpcReduction="20000"/>
+            <a:noAutofit/>
           </a:bodyPr>
           <a:lstStyle/>
           <a:p>
@@ -7615,7 +7611,7 @@
               </a:buClr>
             </a:pPr>
             <a:r>
-              <a:rPr lang="en-US" dirty="0"/>
+              <a:rPr lang="en-US" sz="1800" dirty="0"/>
               <a:t>Years 2016-2024 give enough data points to provide the most recent  insight into future kicks</a:t>
             </a:r>
           </a:p>
@@ -7626,7 +7622,7 @@
               </a:buClr>
             </a:pPr>
             <a:r>
-              <a:rPr lang="en-US" dirty="0"/>
+              <a:rPr lang="en-US" sz="1800" dirty="0"/>
               <a:t>AUC is the right metric because probability performance is more important for future football decisions</a:t>
             </a:r>
           </a:p>
@@ -7637,7 +7633,7 @@
               </a:buClr>
             </a:pPr>
             <a:r>
-              <a:rPr lang="en-US" dirty="0"/>
+              <a:rPr lang="en-US" sz="1800" dirty="0"/>
               <a:t>Stadium-specific data did not have enough volume to affect the model positively</a:t>
             </a:r>
           </a:p>
@@ -7648,36 +7644,28 @@
               </a:buClr>
             </a:pPr>
             <a:r>
-              <a:rPr lang="en-US" dirty="0"/>
-              <a:t>Environment Features will be known in  real  time to make valuable game decisions </a:t>
-            </a:r>
-          </a:p>
-          <a:p>
-            <a:pPr marL="0" indent="0">
-              <a:buClr>
-                <a:schemeClr val="bg1"/>
-              </a:buClr>
+              <a:rPr lang="en-US" sz="1800" dirty="0"/>
+              <a:t>Environment Features will be known in  real  time to make valuable game decisions</a:t>
+            </a:r>
+            <a:endParaRPr lang="en-US" sz="1800" u="sng" dirty="0"/>
+          </a:p>
+          <a:p>
+            <a:pPr marL="0" indent="0" algn="ctr">
+              <a:spcAft>
+                <a:spcPts val="1400"/>
+              </a:spcAft>
               <a:buNone/>
             </a:pPr>
-            <a:endParaRPr lang="en-US" dirty="0"/>
-          </a:p>
-          <a:p>
-            <a:pPr marL="0" indent="0">
-              <a:buClr>
-                <a:schemeClr val="bg1"/>
-              </a:buClr>
+            <a:endParaRPr lang="en-US" u="sng" dirty="0"/>
+          </a:p>
+          <a:p>
+            <a:pPr marL="0" indent="0" algn="ctr">
+              <a:spcAft>
+                <a:spcPts val="1400"/>
+              </a:spcAft>
               <a:buNone/>
             </a:pPr>
-            <a:endParaRPr lang="en-US" dirty="0"/>
-          </a:p>
-          <a:p>
-            <a:pPr marL="0" indent="0">
-              <a:buClr>
-                <a:schemeClr val="bg1"/>
-              </a:buClr>
-              <a:buNone/>
-            </a:pPr>
-            <a:endParaRPr lang="en-US" dirty="0"/>
+            <a:endParaRPr lang="en-US" u="sng" dirty="0"/>
           </a:p>
           <a:p>
             <a:pPr marL="0" indent="0" algn="ctr">
@@ -7698,7 +7686,7 @@
               </a:buClr>
             </a:pPr>
             <a:r>
-              <a:rPr lang="en-US" dirty="0"/>
+              <a:rPr lang="en-US" sz="1800" dirty="0"/>
               <a:t>Creating a blended Ensemble of the two models to balance out the accuracy issues of either model and improve overall AUC</a:t>
             </a:r>
           </a:p>
@@ -7709,15 +7697,15 @@
               </a:buClr>
             </a:pPr>
             <a:r>
-              <a:rPr lang="en-US" dirty="0"/>
+              <a:rPr lang="en-US" sz="1800" dirty="0"/>
               <a:t>Run </a:t>
             </a:r>
             <a:r>
-              <a:rPr lang="en-US" dirty="0" err="1"/>
+              <a:rPr lang="en-US" sz="1800" dirty="0" err="1"/>
               <a:t>GridSearchCV</a:t>
             </a:r>
             <a:r>
-              <a:rPr lang="en-US" dirty="0"/>
+              <a:rPr lang="en-US" sz="1800" dirty="0"/>
               <a:t> to discover the best parameters for the XGBoost Model</a:t>
             </a:r>
           </a:p>
@@ -7728,8 +7716,8 @@
               </a:buClr>
             </a:pPr>
             <a:r>
-              <a:rPr lang="en-US" dirty="0"/>
-              <a:t>Removed Unnecessary Features that had little effect on the model</a:t>
+              <a:rPr lang="en-US" sz="1800" dirty="0"/>
+              <a:t>Removed Unnecessary Features that had little effect on the model (Multiple Tests)</a:t>
             </a:r>
           </a:p>
           <a:p>
@@ -7739,7 +7727,7 @@
               </a:buClr>
             </a:pPr>
             <a:r>
-              <a:rPr lang="en-US" dirty="0"/>
+              <a:rPr lang="en-US" sz="1800" dirty="0"/>
               <a:t>Scaled all the data to ensure no feature overpowered any other feature</a:t>
             </a:r>
           </a:p>
@@ -7750,15 +7738,9 @@
               </a:buClr>
             </a:pPr>
             <a:r>
-              <a:rPr lang="en-US" dirty="0"/>
+              <a:rPr lang="en-US" sz="1800" dirty="0"/>
               <a:t>Remove Kicks from Kickers with less than 15 Total Attempts over the last 9 years (Eliminates Excess Noise)</a:t>
             </a:r>
-          </a:p>
-          <a:p>
-            <a:endParaRPr lang="en-US" dirty="0"/>
-          </a:p>
-          <a:p>
-            <a:endParaRPr lang="en-US" dirty="0"/>
           </a:p>
         </p:txBody>
       </p:sp>
@@ -7778,7 +7760,7 @@
         </p:nvCxnSpPr>
         <p:spPr>
           <a:xfrm>
-            <a:off x="5941833" y="1365698"/>
+            <a:off x="6024129" y="1365698"/>
             <a:ext cx="0" cy="4679502"/>
           </a:xfrm>
           <a:prstGeom prst="line">
